--- a/2. Spring 5.0/Day 12/Slides/6. Configuration of Spring and JPA for Development/configuration-of-spring-and-jpa-for-development-slides.pptx
+++ b/2. Spring 5.0/Day 12/Slides/6. Configuration of Spring and JPA for Development/configuration-of-spring-and-jpa-for-development-slides.pptx
@@ -3420,7 +3420,7 @@
                 <a:latin typeface="Verdana" panose="020B0604030504040204"/>
                 <a:cs typeface="Verdana" panose="020B0604030504040204"/>
               </a:rPr>
-              <a:t>Postgre</a:t>
+              <a:t>My</a:t>
             </a:r>
             <a:r>
               <a:rPr sz="3950" spc="90" dirty="0">
